--- a/examples/online_boutique/sources/figures.pptx
+++ b/examples/online_boutique/sources/figures.pptx
@@ -5,11 +5,10 @@
     <p:sldMasterId id="2147483648" r:id="rId1"/>
   </p:sldMasterIdLst>
   <p:notesMasterIdLst>
-    <p:notesMasterId r:id="rId4"/>
+    <p:notesMasterId r:id="rId3"/>
   </p:notesMasterIdLst>
   <p:sldIdLst>
     <p:sldId id="277" r:id="rId2"/>
-    <p:sldId id="276" r:id="rId3"/>
   </p:sldIdLst>
   <p:sldSz cx="12192000" cy="6858000"/>
   <p:notesSz cx="6858000" cy="9144000"/>
@@ -198,7 +197,7 @@
           <a:p>
             <a:fld id="{9BC9C640-FDAB-4920-985D-AE6877D6D812}" type="datetimeFigureOut">
               <a:rPr lang="en-US" smtClean="0"/>
-              <a:t>10/13/2025</a:t>
+              <a:t>11/6/2025</a:t>
             </a:fld>
             <a:endParaRPr lang="en-US"/>
           </a:p>
@@ -612,7 +611,7 @@
           <a:p>
             <a:fld id="{7588158F-7D22-4D02-A7C1-554F35EEE72C}" type="datetimeFigureOut">
               <a:rPr lang="en-US" smtClean="0"/>
-              <a:t>10/13/2025</a:t>
+              <a:t>11/6/2025</a:t>
             </a:fld>
             <a:endParaRPr lang="en-US"/>
           </a:p>
@@ -810,7 +809,7 @@
           <a:p>
             <a:fld id="{7588158F-7D22-4D02-A7C1-554F35EEE72C}" type="datetimeFigureOut">
               <a:rPr lang="en-US" smtClean="0"/>
-              <a:t>10/13/2025</a:t>
+              <a:t>11/6/2025</a:t>
             </a:fld>
             <a:endParaRPr lang="en-US"/>
           </a:p>
@@ -1018,7 +1017,7 @@
           <a:p>
             <a:fld id="{7588158F-7D22-4D02-A7C1-554F35EEE72C}" type="datetimeFigureOut">
               <a:rPr lang="en-US" smtClean="0"/>
-              <a:t>10/13/2025</a:t>
+              <a:t>11/6/2025</a:t>
             </a:fld>
             <a:endParaRPr lang="en-US"/>
           </a:p>
@@ -1216,7 +1215,7 @@
           <a:p>
             <a:fld id="{7588158F-7D22-4D02-A7C1-554F35EEE72C}" type="datetimeFigureOut">
               <a:rPr lang="en-US" smtClean="0"/>
-              <a:t>10/13/2025</a:t>
+              <a:t>11/6/2025</a:t>
             </a:fld>
             <a:endParaRPr lang="en-US"/>
           </a:p>
@@ -1491,7 +1490,7 @@
           <a:p>
             <a:fld id="{7588158F-7D22-4D02-A7C1-554F35EEE72C}" type="datetimeFigureOut">
               <a:rPr lang="en-US" smtClean="0"/>
-              <a:t>10/13/2025</a:t>
+              <a:t>11/6/2025</a:t>
             </a:fld>
             <a:endParaRPr lang="en-US"/>
           </a:p>
@@ -1756,7 +1755,7 @@
           <a:p>
             <a:fld id="{7588158F-7D22-4D02-A7C1-554F35EEE72C}" type="datetimeFigureOut">
               <a:rPr lang="en-US" smtClean="0"/>
-              <a:t>10/13/2025</a:t>
+              <a:t>11/6/2025</a:t>
             </a:fld>
             <a:endParaRPr lang="en-US"/>
           </a:p>
@@ -2168,7 +2167,7 @@
           <a:p>
             <a:fld id="{7588158F-7D22-4D02-A7C1-554F35EEE72C}" type="datetimeFigureOut">
               <a:rPr lang="en-US" smtClean="0"/>
-              <a:t>10/13/2025</a:t>
+              <a:t>11/6/2025</a:t>
             </a:fld>
             <a:endParaRPr lang="en-US"/>
           </a:p>
@@ -2309,7 +2308,7 @@
           <a:p>
             <a:fld id="{7588158F-7D22-4D02-A7C1-554F35EEE72C}" type="datetimeFigureOut">
               <a:rPr lang="en-US" smtClean="0"/>
-              <a:t>10/13/2025</a:t>
+              <a:t>11/6/2025</a:t>
             </a:fld>
             <a:endParaRPr lang="en-US"/>
           </a:p>
@@ -2422,7 +2421,7 @@
           <a:p>
             <a:fld id="{7588158F-7D22-4D02-A7C1-554F35EEE72C}" type="datetimeFigureOut">
               <a:rPr lang="en-US" smtClean="0"/>
-              <a:t>10/13/2025</a:t>
+              <a:t>11/6/2025</a:t>
             </a:fld>
             <a:endParaRPr lang="en-US"/>
           </a:p>
@@ -2733,7 +2732,7 @@
           <a:p>
             <a:fld id="{7588158F-7D22-4D02-A7C1-554F35EEE72C}" type="datetimeFigureOut">
               <a:rPr lang="en-US" smtClean="0"/>
-              <a:t>10/13/2025</a:t>
+              <a:t>11/6/2025</a:t>
             </a:fld>
             <a:endParaRPr lang="en-US"/>
           </a:p>
@@ -3021,7 +3020,7 @@
           <a:p>
             <a:fld id="{7588158F-7D22-4D02-A7C1-554F35EEE72C}" type="datetimeFigureOut">
               <a:rPr lang="en-US" smtClean="0"/>
-              <a:t>10/13/2025</a:t>
+              <a:t>11/6/2025</a:t>
             </a:fld>
             <a:endParaRPr lang="en-US"/>
           </a:p>
@@ -3262,7 +3261,7 @@
           <a:p>
             <a:fld id="{7588158F-7D22-4D02-A7C1-554F35EEE72C}" type="datetimeFigureOut">
               <a:rPr lang="en-US" smtClean="0"/>
-              <a:t>10/13/2025</a:t>
+              <a:t>11/6/2025</a:t>
             </a:fld>
             <a:endParaRPr lang="en-US"/>
           </a:p>
@@ -6857,1291 +6856,6 @@
     <p:extLst>
       <p:ext uri="{BB962C8B-B14F-4D97-AF65-F5344CB8AC3E}">
         <p14:creationId xmlns:p14="http://schemas.microsoft.com/office/powerpoint/2010/main" val="884242065"/>
-      </p:ext>
-    </p:extLst>
-  </p:cSld>
-  <p:clrMapOvr>
-    <a:masterClrMapping/>
-  </p:clrMapOvr>
-</p:sld>
-</file>
-
-<file path=ppt/slides/slide2.xml><?xml version="1.0" encoding="utf-8"?>
-<p:sld xmlns:a="http://schemas.openxmlformats.org/drawingml/2006/main" xmlns:r="http://schemas.openxmlformats.org/officeDocument/2006/relationships" xmlns:p="http://schemas.openxmlformats.org/presentationml/2006/main">
-  <p:cSld>
-    <p:spTree>
-      <p:nvGrpSpPr>
-        <p:cNvPr id="1" name=""/>
-        <p:cNvGrpSpPr/>
-        <p:nvPr/>
-      </p:nvGrpSpPr>
-      <p:grpSpPr>
-        <a:xfrm>
-          <a:off x="0" y="0"/>
-          <a:ext cx="0" cy="0"/>
-          <a:chOff x="0" y="0"/>
-          <a:chExt cx="0" cy="0"/>
-        </a:xfrm>
-      </p:grpSpPr>
-      <p:grpSp>
-        <p:nvGrpSpPr>
-          <p:cNvPr id="198" name="Group 197">
-            <a:extLst>
-              <a:ext uri="{FF2B5EF4-FFF2-40B4-BE49-F238E27FC236}">
-                <a16:creationId xmlns:a16="http://schemas.microsoft.com/office/drawing/2014/main" id="{6445F022-54C7-8827-B057-E9C48DC88155}"/>
-              </a:ext>
-            </a:extLst>
-          </p:cNvPr>
-          <p:cNvGrpSpPr/>
-          <p:nvPr/>
-        </p:nvGrpSpPr>
-        <p:grpSpPr>
-          <a:xfrm>
-            <a:off x="3006386" y="2149366"/>
-            <a:ext cx="6179228" cy="2559269"/>
-            <a:chOff x="3050209" y="731234"/>
-            <a:chExt cx="6179228" cy="2559269"/>
-          </a:xfrm>
-        </p:grpSpPr>
-        <p:cxnSp>
-          <p:nvCxnSpPr>
-            <p:cNvPr id="38" name="Straight Arrow Connector 37">
-              <a:extLst>
-                <a:ext uri="{FF2B5EF4-FFF2-40B4-BE49-F238E27FC236}">
-                  <a16:creationId xmlns:a16="http://schemas.microsoft.com/office/drawing/2014/main" id="{746E0424-53A4-F298-750D-DC43BE087A25}"/>
-                </a:ext>
-              </a:extLst>
-            </p:cNvPr>
-            <p:cNvCxnSpPr>
-              <a:cxnSpLocks/>
-            </p:cNvCxnSpPr>
-            <p:nvPr/>
-          </p:nvCxnSpPr>
-          <p:spPr>
-            <a:xfrm flipH="1">
-              <a:off x="7576280" y="1074134"/>
-              <a:ext cx="738757" cy="0"/>
-            </a:xfrm>
-            <a:prstGeom prst="straightConnector1">
-              <a:avLst/>
-            </a:prstGeom>
-            <a:ln w="19050">
-              <a:solidFill>
-                <a:schemeClr val="tx1"/>
-              </a:solidFill>
-              <a:prstDash val="sysDash"/>
-              <a:tailEnd type="triangle"/>
-            </a:ln>
-          </p:spPr>
-          <p:style>
-            <a:lnRef idx="1">
-              <a:schemeClr val="accent1"/>
-            </a:lnRef>
-            <a:fillRef idx="0">
-              <a:schemeClr val="accent1"/>
-            </a:fillRef>
-            <a:effectRef idx="0">
-              <a:schemeClr val="accent1"/>
-            </a:effectRef>
-            <a:fontRef idx="minor">
-              <a:schemeClr val="tx1"/>
-            </a:fontRef>
-          </p:style>
-        </p:cxnSp>
-        <p:sp>
-          <p:nvSpPr>
-            <p:cNvPr id="39" name="TextBox 38">
-              <a:extLst>
-                <a:ext uri="{FF2B5EF4-FFF2-40B4-BE49-F238E27FC236}">
-                  <a16:creationId xmlns:a16="http://schemas.microsoft.com/office/drawing/2014/main" id="{2585A137-E905-1B3A-66A2-A7A8A4B92798}"/>
-                </a:ext>
-              </a:extLst>
-            </p:cNvPr>
-            <p:cNvSpPr txBox="1"/>
-            <p:nvPr/>
-          </p:nvSpPr>
-          <p:spPr>
-            <a:xfrm>
-              <a:off x="7672076" y="903884"/>
-              <a:ext cx="533800" cy="138499"/>
-            </a:xfrm>
-            <a:prstGeom prst="rect">
-              <a:avLst/>
-            </a:prstGeom>
-            <a:solidFill>
-              <a:schemeClr val="bg1"/>
-            </a:solidFill>
-          </p:spPr>
-          <p:txBody>
-            <a:bodyPr wrap="square" lIns="0" tIns="0" rIns="0" bIns="0" rtlCol="0">
-              <a:spAutoFit/>
-            </a:bodyPr>
-            <a:lstStyle/>
-            <a:p>
-              <a:pPr algn="ctr"/>
-              <a:r>
-                <a:rPr lang="en-US" sz="900" b="1" dirty="0"/>
-                <a:t>imports</a:t>
-              </a:r>
-            </a:p>
-          </p:txBody>
-        </p:sp>
-        <p:sp>
-          <p:nvSpPr>
-            <p:cNvPr id="21" name="Rectangle: Rounded Corners 20">
-              <a:extLst>
-                <a:ext uri="{FF2B5EF4-FFF2-40B4-BE49-F238E27FC236}">
-                  <a16:creationId xmlns:a16="http://schemas.microsoft.com/office/drawing/2014/main" id="{1533CEEB-DC43-3A00-D60F-AB1DD2311E87}"/>
-                </a:ext>
-              </a:extLst>
-            </p:cNvPr>
-            <p:cNvSpPr/>
-            <p:nvPr/>
-          </p:nvSpPr>
-          <p:spPr>
-            <a:xfrm>
-              <a:off x="4820353" y="865163"/>
-              <a:ext cx="2808884" cy="2425340"/>
-            </a:xfrm>
-            <a:prstGeom prst="roundRect">
-              <a:avLst/>
-            </a:prstGeom>
-            <a:noFill/>
-            <a:ln w="19050">
-              <a:prstDash val="sysDash"/>
-            </a:ln>
-          </p:spPr>
-          <p:style>
-            <a:lnRef idx="2">
-              <a:schemeClr val="accent1">
-                <a:shade val="15000"/>
-              </a:schemeClr>
-            </a:lnRef>
-            <a:fillRef idx="1">
-              <a:schemeClr val="accent1"/>
-            </a:fillRef>
-            <a:effectRef idx="0">
-              <a:schemeClr val="accent1"/>
-            </a:effectRef>
-            <a:fontRef idx="minor">
-              <a:schemeClr val="lt1"/>
-            </a:fontRef>
-          </p:style>
-          <p:txBody>
-            <a:bodyPr rtlCol="0" anchor="b" anchorCtr="0"/>
-            <a:lstStyle/>
-            <a:p>
-              <a:r>
-                <a:rPr lang="en-US" sz="1100" dirty="0">
-                  <a:solidFill>
-                    <a:schemeClr val="tx1"/>
-                  </a:solidFill>
-                </a:rPr>
-                <a:t>Micro</a:t>
-              </a:r>
-            </a:p>
-            <a:p>
-              <a:r>
-                <a:rPr lang="en-US" sz="1100" dirty="0">
-                  <a:solidFill>
-                    <a:schemeClr val="tx1"/>
-                  </a:solidFill>
-                </a:rPr>
-                <a:t>Service</a:t>
-              </a:r>
-            </a:p>
-          </p:txBody>
-        </p:sp>
-        <p:grpSp>
-          <p:nvGrpSpPr>
-            <p:cNvPr id="104" name="Group 103">
-              <a:extLst>
-                <a:ext uri="{FF2B5EF4-FFF2-40B4-BE49-F238E27FC236}">
-                  <a16:creationId xmlns:a16="http://schemas.microsoft.com/office/drawing/2014/main" id="{819D7513-1062-C2FC-96F2-EE8E7A7FFB7D}"/>
-                </a:ext>
-              </a:extLst>
-            </p:cNvPr>
-            <p:cNvGrpSpPr/>
-            <p:nvPr/>
-          </p:nvGrpSpPr>
-          <p:grpSpPr>
-            <a:xfrm>
-              <a:off x="3050209" y="1667840"/>
-              <a:ext cx="771421" cy="815478"/>
-              <a:chOff x="6267214" y="1751069"/>
-              <a:chExt cx="771421" cy="815478"/>
-            </a:xfrm>
-          </p:grpSpPr>
-          <p:sp>
-            <p:nvSpPr>
-              <p:cNvPr id="105" name="Rectangle 104">
-                <a:extLst>
-                  <a:ext uri="{FF2B5EF4-FFF2-40B4-BE49-F238E27FC236}">
-                    <a16:creationId xmlns:a16="http://schemas.microsoft.com/office/drawing/2014/main" id="{BDB71E84-1882-4092-CE7C-054BB689288A}"/>
-                  </a:ext>
-                </a:extLst>
-              </p:cNvPr>
-              <p:cNvSpPr/>
-              <p:nvPr/>
-            </p:nvSpPr>
-            <p:spPr>
-              <a:xfrm>
-                <a:off x="6267214" y="1990875"/>
-                <a:ext cx="771421" cy="279919"/>
-              </a:xfrm>
-              <a:prstGeom prst="rect">
-                <a:avLst/>
-              </a:prstGeom>
-              <a:solidFill>
-                <a:schemeClr val="bg1">
-                  <a:lumMod val="95000"/>
-                </a:schemeClr>
-              </a:solidFill>
-              <a:ln w="19050">
-                <a:solidFill>
-                  <a:schemeClr val="bg2"/>
-                </a:solidFill>
-              </a:ln>
-            </p:spPr>
-            <p:style>
-              <a:lnRef idx="2">
-                <a:schemeClr val="accent1">
-                  <a:shade val="50000"/>
-                </a:schemeClr>
-              </a:lnRef>
-              <a:fillRef idx="1">
-                <a:schemeClr val="accent1"/>
-              </a:fillRef>
-              <a:effectRef idx="0">
-                <a:schemeClr val="accent1"/>
-              </a:effectRef>
-              <a:fontRef idx="minor">
-                <a:schemeClr val="lt1"/>
-              </a:fontRef>
-            </p:style>
-            <p:txBody>
-              <a:bodyPr lIns="0" rIns="0" rtlCol="0" anchor="ctr"/>
-              <a:lstStyle/>
-              <a:p>
-                <a:pPr marL="0" marR="0" lvl="0" indent="0" algn="ctr" defTabSz="914400" rtl="0" eaLnBrk="1" fontAlgn="auto" latinLnBrk="0" hangingPunct="1">
-                  <a:lnSpc>
-                    <a:spcPct val="100000"/>
-                  </a:lnSpc>
-                  <a:spcBef>
-                    <a:spcPts val="0"/>
-                  </a:spcBef>
-                  <a:spcAft>
-                    <a:spcPts val="0"/>
-                  </a:spcAft>
-                  <a:buClrTx/>
-                  <a:buSzTx/>
-                  <a:buFontTx/>
-                  <a:buNone/>
-                  <a:tabLst/>
-                  <a:defRPr/>
-                </a:pPr>
-                <a:r>
-                  <a:rPr kumimoji="0" lang="en-US" sz="900" b="0" i="0" u="none" strike="noStrike" kern="1200" cap="none" spc="0" normalizeH="0" baseline="0" noProof="0" dirty="0" err="1">
-                    <a:ln>
-                      <a:noFill/>
-                    </a:ln>
-                    <a:solidFill>
-                      <a:prstClr val="black"/>
-                    </a:solidFill>
-                    <a:effectLst/>
-                    <a:uLnTx/>
-                    <a:uFillTx/>
-                    <a:ea typeface="+mn-ea"/>
-                    <a:cs typeface="+mn-cs"/>
-                  </a:rPr>
-                  <a:t>MicroService</a:t>
-                </a:r>
-                <a:endParaRPr kumimoji="0" lang="en-US" sz="900" b="0" i="0" u="none" strike="noStrike" kern="1200" cap="none" spc="0" normalizeH="0" baseline="0" noProof="0" dirty="0">
-                  <a:ln>
-                    <a:noFill/>
-                  </a:ln>
-                  <a:solidFill>
-                    <a:prstClr val="black"/>
-                  </a:solidFill>
-                  <a:effectLst/>
-                  <a:uLnTx/>
-                  <a:uFillTx/>
-                  <a:ea typeface="+mn-ea"/>
-                  <a:cs typeface="+mn-cs"/>
-                </a:endParaRPr>
-              </a:p>
-            </p:txBody>
-          </p:sp>
-          <p:sp>
-            <p:nvSpPr>
-              <p:cNvPr id="106" name="Rectangle: Rounded Corners 105">
-                <a:extLst>
-                  <a:ext uri="{FF2B5EF4-FFF2-40B4-BE49-F238E27FC236}">
-                    <a16:creationId xmlns:a16="http://schemas.microsoft.com/office/drawing/2014/main" id="{B8781B9B-2D28-060A-485D-EEE85E66CB7A}"/>
-                  </a:ext>
-                </a:extLst>
-              </p:cNvPr>
-              <p:cNvSpPr/>
-              <p:nvPr/>
-            </p:nvSpPr>
-            <p:spPr>
-              <a:xfrm>
-                <a:off x="6267214" y="1751069"/>
-                <a:ext cx="771420" cy="815478"/>
-              </a:xfrm>
-              <a:prstGeom prst="roundRect">
-                <a:avLst/>
-              </a:prstGeom>
-              <a:noFill/>
-              <a:ln w="19050">
-                <a:solidFill>
-                  <a:schemeClr val="tx1"/>
-                </a:solidFill>
-              </a:ln>
-            </p:spPr>
-            <p:style>
-              <a:lnRef idx="2">
-                <a:schemeClr val="accent1">
-                  <a:shade val="50000"/>
-                </a:schemeClr>
-              </a:lnRef>
-              <a:fillRef idx="1">
-                <a:schemeClr val="accent1"/>
-              </a:fillRef>
-              <a:effectRef idx="0">
-                <a:schemeClr val="accent1"/>
-              </a:effectRef>
-              <a:fontRef idx="minor">
-                <a:schemeClr val="lt1"/>
-              </a:fontRef>
-            </p:style>
-            <p:txBody>
-              <a:bodyPr tIns="0" rtlCol="0" anchor="t" anchorCtr="0"/>
-              <a:lstStyle/>
-              <a:p>
-                <a:pPr marL="0" marR="0" lvl="0" indent="0" algn="l" defTabSz="914400" rtl="0" eaLnBrk="1" fontAlgn="auto" latinLnBrk="0" hangingPunct="1">
-                  <a:lnSpc>
-                    <a:spcPct val="100000"/>
-                  </a:lnSpc>
-                  <a:spcBef>
-                    <a:spcPts val="0"/>
-                  </a:spcBef>
-                  <a:spcAft>
-                    <a:spcPts val="0"/>
-                  </a:spcAft>
-                  <a:buClrTx/>
-                  <a:buSzTx/>
-                  <a:buFontTx/>
-                  <a:buNone/>
-                  <a:tabLst/>
-                  <a:defRPr/>
-                </a:pPr>
-                <a:r>
-                  <a:rPr kumimoji="0" lang="en-US" sz="800" b="0" i="0" u="none" strike="noStrike" kern="1200" cap="none" spc="0" normalizeH="0" baseline="0" noProof="0" dirty="0">
-                    <a:ln>
-                      <a:noFill/>
-                    </a:ln>
-                    <a:solidFill>
-                      <a:prstClr val="black"/>
-                    </a:solidFill>
-                    <a:effectLst/>
-                    <a:uLnTx/>
-                    <a:uFillTx/>
-                    <a:ea typeface="+mn-ea"/>
-                    <a:cs typeface="+mn-cs"/>
-                  </a:rPr>
-                  <a:t>checkout</a:t>
-                </a:r>
-              </a:p>
-            </p:txBody>
-          </p:sp>
-        </p:grpSp>
-        <p:grpSp>
-          <p:nvGrpSpPr>
-            <p:cNvPr id="193" name="Group 192">
-              <a:extLst>
-                <a:ext uri="{FF2B5EF4-FFF2-40B4-BE49-F238E27FC236}">
-                  <a16:creationId xmlns:a16="http://schemas.microsoft.com/office/drawing/2014/main" id="{4E155B3C-CD53-E688-F08C-4DA7FB317964}"/>
-                </a:ext>
-              </a:extLst>
-            </p:cNvPr>
-            <p:cNvGrpSpPr/>
-            <p:nvPr/>
-          </p:nvGrpSpPr>
-          <p:grpSpPr>
-            <a:xfrm>
-              <a:off x="5110474" y="1074134"/>
-              <a:ext cx="2228642" cy="2007399"/>
-              <a:chOff x="5005328" y="1090644"/>
-              <a:chExt cx="2228642" cy="2007399"/>
-            </a:xfrm>
-          </p:grpSpPr>
-          <p:grpSp>
-            <p:nvGrpSpPr>
-              <p:cNvPr id="125" name="Group 124">
-                <a:extLst>
-                  <a:ext uri="{FF2B5EF4-FFF2-40B4-BE49-F238E27FC236}">
-                    <a16:creationId xmlns:a16="http://schemas.microsoft.com/office/drawing/2014/main" id="{E4A8C97F-B1B7-D708-BACA-C2E2B0E1223A}"/>
-                  </a:ext>
-                </a:extLst>
-              </p:cNvPr>
-              <p:cNvGrpSpPr/>
-              <p:nvPr/>
-            </p:nvGrpSpPr>
-            <p:grpSpPr>
-              <a:xfrm>
-                <a:off x="6462549" y="2282565"/>
-                <a:ext cx="771421" cy="815478"/>
-                <a:chOff x="6267214" y="1751069"/>
-                <a:chExt cx="771421" cy="815478"/>
-              </a:xfrm>
-            </p:grpSpPr>
-            <p:sp>
-              <p:nvSpPr>
-                <p:cNvPr id="126" name="Rectangle 125">
-                  <a:extLst>
-                    <a:ext uri="{FF2B5EF4-FFF2-40B4-BE49-F238E27FC236}">
-                      <a16:creationId xmlns:a16="http://schemas.microsoft.com/office/drawing/2014/main" id="{FB5495EB-7BDA-5AE1-7EAF-8654A2CCFE6E}"/>
-                    </a:ext>
-                  </a:extLst>
-                </p:cNvPr>
-                <p:cNvSpPr/>
-                <p:nvPr/>
-              </p:nvSpPr>
-              <p:spPr>
-                <a:xfrm>
-                  <a:off x="6267214" y="1990875"/>
-                  <a:ext cx="771421" cy="279919"/>
-                </a:xfrm>
-                <a:prstGeom prst="rect">
-                  <a:avLst/>
-                </a:prstGeom>
-                <a:solidFill>
-                  <a:schemeClr val="bg1">
-                    <a:lumMod val="95000"/>
-                  </a:schemeClr>
-                </a:solidFill>
-                <a:ln w="19050">
-                  <a:solidFill>
-                    <a:schemeClr val="bg2"/>
-                  </a:solidFill>
-                </a:ln>
-              </p:spPr>
-              <p:style>
-                <a:lnRef idx="2">
-                  <a:schemeClr val="accent1">
-                    <a:shade val="50000"/>
-                  </a:schemeClr>
-                </a:lnRef>
-                <a:fillRef idx="1">
-                  <a:schemeClr val="accent1"/>
-                </a:fillRef>
-                <a:effectRef idx="0">
-                  <a:schemeClr val="accent1"/>
-                </a:effectRef>
-                <a:fontRef idx="minor">
-                  <a:schemeClr val="lt1"/>
-                </a:fontRef>
-              </p:style>
-              <p:txBody>
-                <a:bodyPr lIns="0" rIns="0" rtlCol="0" anchor="ctr"/>
-                <a:lstStyle/>
-                <a:p>
-                  <a:pPr marL="0" marR="0" lvl="0" indent="0" algn="ctr" defTabSz="914400" rtl="0" eaLnBrk="1" fontAlgn="auto" latinLnBrk="0" hangingPunct="1">
-                    <a:lnSpc>
-                      <a:spcPct val="100000"/>
-                    </a:lnSpc>
-                    <a:spcBef>
-                      <a:spcPts val="0"/>
-                    </a:spcBef>
-                    <a:spcAft>
-                      <a:spcPts val="0"/>
-                    </a:spcAft>
-                    <a:buClrTx/>
-                    <a:buSzTx/>
-                    <a:buFontTx/>
-                    <a:buNone/>
-                    <a:tabLst/>
-                    <a:defRPr/>
-                  </a:pPr>
-                  <a:r>
-                    <a:rPr kumimoji="0" lang="en-US" sz="900" b="0" i="0" u="none" strike="noStrike" kern="1200" cap="none" spc="0" normalizeH="0" baseline="0" noProof="0" dirty="0">
-                      <a:ln>
-                        <a:noFill/>
-                      </a:ln>
-                      <a:solidFill>
-                        <a:prstClr val="black"/>
-                      </a:solidFill>
-                      <a:effectLst/>
-                      <a:uLnTx/>
-                      <a:uFillTx/>
-                      <a:ea typeface="+mn-ea"/>
-                      <a:cs typeface="+mn-cs"/>
-                    </a:rPr>
-                    <a:t>Service</a:t>
-                  </a:r>
-                </a:p>
-                <a:p>
-                  <a:pPr marL="0" marR="0" lvl="0" indent="0" algn="ctr" defTabSz="914400" rtl="0" eaLnBrk="1" fontAlgn="auto" latinLnBrk="0" hangingPunct="1">
-                    <a:lnSpc>
-                      <a:spcPct val="100000"/>
-                    </a:lnSpc>
-                    <a:spcBef>
-                      <a:spcPts val="0"/>
-                    </a:spcBef>
-                    <a:spcAft>
-                      <a:spcPts val="0"/>
-                    </a:spcAft>
-                    <a:buClrTx/>
-                    <a:buSzTx/>
-                    <a:buFontTx/>
-                    <a:buNone/>
-                    <a:tabLst/>
-                    <a:defRPr/>
-                  </a:pPr>
-                  <a:r>
-                    <a:rPr kumimoji="0" lang="en-US" sz="900" b="0" i="0" u="none" strike="noStrike" kern="1200" cap="none" spc="0" normalizeH="0" baseline="0" noProof="0" dirty="0">
-                      <a:ln>
-                        <a:noFill/>
-                      </a:ln>
-                      <a:solidFill>
-                        <a:prstClr val="black"/>
-                      </a:solidFill>
-                      <a:effectLst/>
-                      <a:uLnTx/>
-                      <a:uFillTx/>
-                      <a:ea typeface="+mn-ea"/>
-                      <a:cs typeface="+mn-cs"/>
-                    </a:rPr>
-                    <a:t>Account</a:t>
-                  </a:r>
-                </a:p>
-              </p:txBody>
-            </p:sp>
-            <p:sp>
-              <p:nvSpPr>
-                <p:cNvPr id="127" name="Rectangle: Rounded Corners 126">
-                  <a:extLst>
-                    <a:ext uri="{FF2B5EF4-FFF2-40B4-BE49-F238E27FC236}">
-                      <a16:creationId xmlns:a16="http://schemas.microsoft.com/office/drawing/2014/main" id="{0BD901D1-48E6-7825-E266-4C5BA4E98D60}"/>
-                    </a:ext>
-                  </a:extLst>
-                </p:cNvPr>
-                <p:cNvSpPr/>
-                <p:nvPr/>
-              </p:nvSpPr>
-              <p:spPr>
-                <a:xfrm>
-                  <a:off x="6267214" y="1751069"/>
-                  <a:ext cx="771420" cy="815478"/>
-                </a:xfrm>
-                <a:prstGeom prst="roundRect">
-                  <a:avLst/>
-                </a:prstGeom>
-                <a:noFill/>
-                <a:ln w="19050">
-                  <a:solidFill>
-                    <a:schemeClr val="tx1"/>
-                  </a:solidFill>
-                </a:ln>
-              </p:spPr>
-              <p:style>
-                <a:lnRef idx="2">
-                  <a:schemeClr val="accent1">
-                    <a:shade val="50000"/>
-                  </a:schemeClr>
-                </a:lnRef>
-                <a:fillRef idx="1">
-                  <a:schemeClr val="accent1"/>
-                </a:fillRef>
-                <a:effectRef idx="0">
-                  <a:schemeClr val="accent1"/>
-                </a:effectRef>
-                <a:fontRef idx="minor">
-                  <a:schemeClr val="lt1"/>
-                </a:fontRef>
-              </p:style>
-              <p:txBody>
-                <a:bodyPr tIns="0" rtlCol="0" anchor="t" anchorCtr="0"/>
-                <a:lstStyle/>
-                <a:p>
-                  <a:pPr marL="0" marR="0" lvl="0" indent="0" algn="l" defTabSz="914400" rtl="0" eaLnBrk="1" fontAlgn="auto" latinLnBrk="0" hangingPunct="1">
-                    <a:lnSpc>
-                      <a:spcPct val="100000"/>
-                    </a:lnSpc>
-                    <a:spcBef>
-                      <a:spcPts val="0"/>
-                    </a:spcBef>
-                    <a:spcAft>
-                      <a:spcPts val="0"/>
-                    </a:spcAft>
-                    <a:buClrTx/>
-                    <a:buSzTx/>
-                    <a:buFontTx/>
-                    <a:buNone/>
-                    <a:tabLst/>
-                    <a:defRPr/>
-                  </a:pPr>
-                  <a:r>
-                    <a:rPr lang="en-US" sz="800" dirty="0">
-                      <a:solidFill>
-                        <a:prstClr val="black"/>
-                      </a:solidFill>
-                    </a:rPr>
-                    <a:t>account</a:t>
-                  </a:r>
-                  <a:endParaRPr kumimoji="0" lang="en-US" sz="800" b="0" i="0" u="none" strike="noStrike" kern="1200" cap="none" spc="0" normalizeH="0" baseline="0" noProof="0" dirty="0">
-                    <a:ln>
-                      <a:noFill/>
-                    </a:ln>
-                    <a:solidFill>
-                      <a:prstClr val="black"/>
-                    </a:solidFill>
-                    <a:effectLst/>
-                    <a:uLnTx/>
-                    <a:uFillTx/>
-                    <a:ea typeface="+mn-ea"/>
-                    <a:cs typeface="+mn-cs"/>
-                  </a:endParaRPr>
-                </a:p>
-              </p:txBody>
-            </p:sp>
-          </p:grpSp>
-          <p:grpSp>
-            <p:nvGrpSpPr>
-              <p:cNvPr id="98" name="Group 97">
-                <a:extLst>
-                  <a:ext uri="{FF2B5EF4-FFF2-40B4-BE49-F238E27FC236}">
-                    <a16:creationId xmlns:a16="http://schemas.microsoft.com/office/drawing/2014/main" id="{7CFEFC03-4685-6E60-62BD-5410EC4D9711}"/>
-                  </a:ext>
-                </a:extLst>
-              </p:cNvPr>
-              <p:cNvGrpSpPr/>
-              <p:nvPr/>
-            </p:nvGrpSpPr>
-            <p:grpSpPr>
-              <a:xfrm>
-                <a:off x="5005328" y="1090644"/>
-                <a:ext cx="771421" cy="815478"/>
-                <a:chOff x="6267214" y="1751069"/>
-                <a:chExt cx="771421" cy="815478"/>
-              </a:xfrm>
-            </p:grpSpPr>
-            <p:sp>
-              <p:nvSpPr>
-                <p:cNvPr id="99" name="Rectangle 98">
-                  <a:extLst>
-                    <a:ext uri="{FF2B5EF4-FFF2-40B4-BE49-F238E27FC236}">
-                      <a16:creationId xmlns:a16="http://schemas.microsoft.com/office/drawing/2014/main" id="{2C77B0FF-1AE5-3C4D-9BD0-8CCB319F351D}"/>
-                    </a:ext>
-                  </a:extLst>
-                </p:cNvPr>
-                <p:cNvSpPr/>
-                <p:nvPr/>
-              </p:nvSpPr>
-              <p:spPr>
-                <a:xfrm>
-                  <a:off x="6267214" y="1990875"/>
-                  <a:ext cx="771421" cy="279919"/>
-                </a:xfrm>
-                <a:prstGeom prst="rect">
-                  <a:avLst/>
-                </a:prstGeom>
-                <a:solidFill>
-                  <a:schemeClr val="bg1">
-                    <a:lumMod val="95000"/>
-                  </a:schemeClr>
-                </a:solidFill>
-                <a:ln w="19050">
-                  <a:solidFill>
-                    <a:schemeClr val="bg2"/>
-                  </a:solidFill>
-                </a:ln>
-              </p:spPr>
-              <p:style>
-                <a:lnRef idx="2">
-                  <a:schemeClr val="accent1">
-                    <a:shade val="50000"/>
-                  </a:schemeClr>
-                </a:lnRef>
-                <a:fillRef idx="1">
-                  <a:schemeClr val="accent1"/>
-                </a:fillRef>
-                <a:effectRef idx="0">
-                  <a:schemeClr val="accent1"/>
-                </a:effectRef>
-                <a:fontRef idx="minor">
-                  <a:schemeClr val="lt1"/>
-                </a:fontRef>
-              </p:style>
-              <p:txBody>
-                <a:bodyPr lIns="0" rIns="0" rtlCol="0" anchor="ctr"/>
-                <a:lstStyle/>
-                <a:p>
-                  <a:pPr marL="0" marR="0" lvl="0" indent="0" algn="ctr" defTabSz="914400" rtl="0" eaLnBrk="1" fontAlgn="auto" latinLnBrk="0" hangingPunct="1">
-                    <a:lnSpc>
-                      <a:spcPct val="100000"/>
-                    </a:lnSpc>
-                    <a:spcBef>
-                      <a:spcPts val="0"/>
-                    </a:spcBef>
-                    <a:spcAft>
-                      <a:spcPts val="0"/>
-                    </a:spcAft>
-                    <a:buClrTx/>
-                    <a:buSzTx/>
-                    <a:buFontTx/>
-                    <a:buNone/>
-                    <a:tabLst/>
-                    <a:defRPr/>
-                  </a:pPr>
-                  <a:r>
-                    <a:rPr kumimoji="0" lang="en-US" sz="900" b="0" i="0" u="none" strike="noStrike" kern="1200" cap="none" spc="0" normalizeH="0" baseline="0" noProof="0" dirty="0" err="1">
-                      <a:ln>
-                        <a:noFill/>
-                      </a:ln>
-                      <a:solidFill>
-                        <a:prstClr val="black"/>
-                      </a:solidFill>
-                      <a:effectLst/>
-                      <a:uLnTx/>
-                      <a:uFillTx/>
-                      <a:ea typeface="+mn-ea"/>
-                      <a:cs typeface="+mn-cs"/>
-                    </a:rPr>
-                    <a:t>ClusterIP</a:t>
-                  </a:r>
-                  <a:endParaRPr kumimoji="0" lang="en-US" sz="900" b="0" i="0" u="none" strike="noStrike" kern="1200" cap="none" spc="0" normalizeH="0" baseline="0" noProof="0" dirty="0">
-                    <a:ln>
-                      <a:noFill/>
-                    </a:ln>
-                    <a:solidFill>
-                      <a:prstClr val="black"/>
-                    </a:solidFill>
-                    <a:effectLst/>
-                    <a:uLnTx/>
-                    <a:uFillTx/>
-                    <a:ea typeface="+mn-ea"/>
-                    <a:cs typeface="+mn-cs"/>
-                  </a:endParaRPr>
-                </a:p>
-              </p:txBody>
-            </p:sp>
-            <p:sp>
-              <p:nvSpPr>
-                <p:cNvPr id="100" name="Rectangle: Rounded Corners 99">
-                  <a:extLst>
-                    <a:ext uri="{FF2B5EF4-FFF2-40B4-BE49-F238E27FC236}">
-                      <a16:creationId xmlns:a16="http://schemas.microsoft.com/office/drawing/2014/main" id="{4FA5B4AE-594D-7B16-2757-31C7737DE7E9}"/>
-                    </a:ext>
-                  </a:extLst>
-                </p:cNvPr>
-                <p:cNvSpPr/>
-                <p:nvPr/>
-              </p:nvSpPr>
-              <p:spPr>
-                <a:xfrm>
-                  <a:off x="6267214" y="1751069"/>
-                  <a:ext cx="771420" cy="815478"/>
-                </a:xfrm>
-                <a:prstGeom prst="roundRect">
-                  <a:avLst/>
-                </a:prstGeom>
-                <a:noFill/>
-                <a:ln w="19050">
-                  <a:solidFill>
-                    <a:schemeClr val="tx1"/>
-                  </a:solidFill>
-                </a:ln>
-              </p:spPr>
-              <p:style>
-                <a:lnRef idx="2">
-                  <a:schemeClr val="accent1">
-                    <a:shade val="50000"/>
-                  </a:schemeClr>
-                </a:lnRef>
-                <a:fillRef idx="1">
-                  <a:schemeClr val="accent1"/>
-                </a:fillRef>
-                <a:effectRef idx="0">
-                  <a:schemeClr val="accent1"/>
-                </a:effectRef>
-                <a:fontRef idx="minor">
-                  <a:schemeClr val="lt1"/>
-                </a:fontRef>
-              </p:style>
-              <p:txBody>
-                <a:bodyPr tIns="0" rtlCol="0" anchor="t" anchorCtr="0"/>
-                <a:lstStyle/>
-                <a:p>
-                  <a:pPr marL="0" marR="0" lvl="0" indent="0" algn="l" defTabSz="914400" rtl="0" eaLnBrk="1" fontAlgn="auto" latinLnBrk="0" hangingPunct="1">
-                    <a:lnSpc>
-                      <a:spcPct val="100000"/>
-                    </a:lnSpc>
-                    <a:spcBef>
-                      <a:spcPts val="0"/>
-                    </a:spcBef>
-                    <a:spcAft>
-                      <a:spcPts val="0"/>
-                    </a:spcAft>
-                    <a:buClrTx/>
-                    <a:buSzTx/>
-                    <a:buFontTx/>
-                    <a:buNone/>
-                    <a:tabLst/>
-                    <a:defRPr/>
-                  </a:pPr>
-                  <a:r>
-                    <a:rPr kumimoji="0" lang="en-US" sz="800" b="0" i="0" u="none" strike="noStrike" kern="1200" cap="none" spc="0" normalizeH="0" baseline="0" noProof="0" dirty="0">
-                      <a:ln>
-                        <a:noFill/>
-                      </a:ln>
-                      <a:solidFill>
-                        <a:prstClr val="black"/>
-                      </a:solidFill>
-                      <a:effectLst/>
-                      <a:uLnTx/>
-                      <a:uFillTx/>
-                      <a:ea typeface="+mn-ea"/>
-                      <a:cs typeface="+mn-cs"/>
-                    </a:rPr>
-                    <a:t>service</a:t>
-                  </a:r>
-                </a:p>
-              </p:txBody>
-            </p:sp>
-          </p:grpSp>
-          <p:grpSp>
-            <p:nvGrpSpPr>
-              <p:cNvPr id="107" name="Group 106">
-                <a:extLst>
-                  <a:ext uri="{FF2B5EF4-FFF2-40B4-BE49-F238E27FC236}">
-                    <a16:creationId xmlns:a16="http://schemas.microsoft.com/office/drawing/2014/main" id="{442A6641-AEDD-E3B9-095E-65010DA830AF}"/>
-                  </a:ext>
-                </a:extLst>
-              </p:cNvPr>
-              <p:cNvGrpSpPr/>
-              <p:nvPr/>
-            </p:nvGrpSpPr>
-            <p:grpSpPr>
-              <a:xfrm>
-                <a:off x="6462549" y="1090644"/>
-                <a:ext cx="771421" cy="815478"/>
-                <a:chOff x="6267214" y="1751069"/>
-                <a:chExt cx="771421" cy="815478"/>
-              </a:xfrm>
-            </p:grpSpPr>
-            <p:sp>
-              <p:nvSpPr>
-                <p:cNvPr id="108" name="Rectangle 107">
-                  <a:extLst>
-                    <a:ext uri="{FF2B5EF4-FFF2-40B4-BE49-F238E27FC236}">
-                      <a16:creationId xmlns:a16="http://schemas.microsoft.com/office/drawing/2014/main" id="{C0E46231-7B43-329F-AEC4-30449695477F}"/>
-                    </a:ext>
-                  </a:extLst>
-                </p:cNvPr>
-                <p:cNvSpPr/>
-                <p:nvPr/>
-              </p:nvSpPr>
-              <p:spPr>
-                <a:xfrm>
-                  <a:off x="6267214" y="1990875"/>
-                  <a:ext cx="771421" cy="279919"/>
-                </a:xfrm>
-                <a:prstGeom prst="rect">
-                  <a:avLst/>
-                </a:prstGeom>
-                <a:solidFill>
-                  <a:schemeClr val="bg1">
-                    <a:lumMod val="95000"/>
-                  </a:schemeClr>
-                </a:solidFill>
-                <a:ln w="19050">
-                  <a:solidFill>
-                    <a:schemeClr val="bg2"/>
-                  </a:solidFill>
-                </a:ln>
-              </p:spPr>
-              <p:style>
-                <a:lnRef idx="2">
-                  <a:schemeClr val="accent1">
-                    <a:shade val="50000"/>
-                  </a:schemeClr>
-                </a:lnRef>
-                <a:fillRef idx="1">
-                  <a:schemeClr val="accent1"/>
-                </a:fillRef>
-                <a:effectRef idx="0">
-                  <a:schemeClr val="accent1"/>
-                </a:effectRef>
-                <a:fontRef idx="minor">
-                  <a:schemeClr val="lt1"/>
-                </a:fontRef>
-              </p:style>
-              <p:txBody>
-                <a:bodyPr lIns="0" rIns="0" rtlCol="0" anchor="ctr"/>
-                <a:lstStyle/>
-                <a:p>
-                  <a:pPr marL="0" marR="0" lvl="0" indent="0" algn="ctr" defTabSz="914400" rtl="0" eaLnBrk="1" fontAlgn="auto" latinLnBrk="0" hangingPunct="1">
-                    <a:lnSpc>
-                      <a:spcPct val="100000"/>
-                    </a:lnSpc>
-                    <a:spcBef>
-                      <a:spcPts val="0"/>
-                    </a:spcBef>
-                    <a:spcAft>
-                      <a:spcPts val="0"/>
-                    </a:spcAft>
-                    <a:buClrTx/>
-                    <a:buSzTx/>
-                    <a:buFontTx/>
-                    <a:buNone/>
-                    <a:tabLst/>
-                    <a:defRPr/>
-                  </a:pPr>
-                  <a:r>
-                    <a:rPr kumimoji="0" lang="en-US" sz="900" b="0" i="0" u="none" strike="noStrike" kern="1200" cap="none" spc="0" normalizeH="0" baseline="0" noProof="0" dirty="0">
-                      <a:ln>
-                        <a:noFill/>
-                      </a:ln>
-                      <a:solidFill>
-                        <a:prstClr val="black"/>
-                      </a:solidFill>
-                      <a:effectLst/>
-                      <a:uLnTx/>
-                      <a:uFillTx/>
-                      <a:ea typeface="+mn-ea"/>
-                      <a:cs typeface="+mn-cs"/>
-                    </a:rPr>
-                    <a:t>Deployment</a:t>
-                  </a:r>
-                </a:p>
-              </p:txBody>
-            </p:sp>
-            <p:sp>
-              <p:nvSpPr>
-                <p:cNvPr id="109" name="Rectangle: Rounded Corners 108">
-                  <a:extLst>
-                    <a:ext uri="{FF2B5EF4-FFF2-40B4-BE49-F238E27FC236}">
-                      <a16:creationId xmlns:a16="http://schemas.microsoft.com/office/drawing/2014/main" id="{299B631E-EB2D-A7D5-E0DB-104B9495F331}"/>
-                    </a:ext>
-                  </a:extLst>
-                </p:cNvPr>
-                <p:cNvSpPr/>
-                <p:nvPr/>
-              </p:nvSpPr>
-              <p:spPr>
-                <a:xfrm>
-                  <a:off x="6267214" y="1751069"/>
-                  <a:ext cx="771420" cy="815478"/>
-                </a:xfrm>
-                <a:prstGeom prst="roundRect">
-                  <a:avLst/>
-                </a:prstGeom>
-                <a:noFill/>
-                <a:ln w="19050">
-                  <a:solidFill>
-                    <a:schemeClr val="tx1"/>
-                  </a:solidFill>
-                </a:ln>
-              </p:spPr>
-              <p:style>
-                <a:lnRef idx="2">
-                  <a:schemeClr val="accent1">
-                    <a:shade val="50000"/>
-                  </a:schemeClr>
-                </a:lnRef>
-                <a:fillRef idx="1">
-                  <a:schemeClr val="accent1"/>
-                </a:fillRef>
-                <a:effectRef idx="0">
-                  <a:schemeClr val="accent1"/>
-                </a:effectRef>
-                <a:fontRef idx="minor">
-                  <a:schemeClr val="lt1"/>
-                </a:fontRef>
-              </p:style>
-              <p:txBody>
-                <a:bodyPr tIns="0" rtlCol="0" anchor="t" anchorCtr="0"/>
-                <a:lstStyle/>
-                <a:p>
-                  <a:pPr marL="0" marR="0" lvl="0" indent="0" algn="l" defTabSz="914400" rtl="0" eaLnBrk="1" fontAlgn="auto" latinLnBrk="0" hangingPunct="1">
-                    <a:lnSpc>
-                      <a:spcPct val="100000"/>
-                    </a:lnSpc>
-                    <a:spcBef>
-                      <a:spcPts val="0"/>
-                    </a:spcBef>
-                    <a:spcAft>
-                      <a:spcPts val="0"/>
-                    </a:spcAft>
-                    <a:buClrTx/>
-                    <a:buSzTx/>
-                    <a:buFontTx/>
-                    <a:buNone/>
-                    <a:tabLst/>
-                    <a:defRPr/>
-                  </a:pPr>
-                  <a:r>
-                    <a:rPr kumimoji="0" lang="en-US" sz="800" b="0" i="0" u="none" strike="noStrike" kern="1200" cap="none" spc="0" normalizeH="0" baseline="0" noProof="0" dirty="0">
-                      <a:ln>
-                        <a:noFill/>
-                      </a:ln>
-                      <a:solidFill>
-                        <a:prstClr val="black"/>
-                      </a:solidFill>
-                      <a:effectLst/>
-                      <a:uLnTx/>
-                      <a:uFillTx/>
-                      <a:ea typeface="+mn-ea"/>
-                      <a:cs typeface="+mn-cs"/>
-                    </a:rPr>
-                    <a:t>deployment</a:t>
-                  </a:r>
-                </a:p>
-              </p:txBody>
-            </p:sp>
-          </p:grpSp>
-          <p:cxnSp>
-            <p:nvCxnSpPr>
-              <p:cNvPr id="136" name="Straight Arrow Connector 135">
-                <a:extLst>
-                  <a:ext uri="{FF2B5EF4-FFF2-40B4-BE49-F238E27FC236}">
-                    <a16:creationId xmlns:a16="http://schemas.microsoft.com/office/drawing/2014/main" id="{C7506D7B-F5B8-591E-6647-31CEA393ECD5}"/>
-                  </a:ext>
-                </a:extLst>
-              </p:cNvPr>
-              <p:cNvCxnSpPr>
-                <a:cxnSpLocks/>
-                <a:stCxn id="109" idx="1"/>
-                <a:endCxn id="100" idx="3"/>
-              </p:cNvCxnSpPr>
-              <p:nvPr/>
-            </p:nvCxnSpPr>
-            <p:spPr>
-              <a:xfrm flipH="1">
-                <a:off x="5776748" y="1498383"/>
-                <a:ext cx="685801" cy="0"/>
-              </a:xfrm>
-              <a:prstGeom prst="straightConnector1">
-                <a:avLst/>
-              </a:prstGeom>
-              <a:ln w="12700">
-                <a:solidFill>
-                  <a:schemeClr val="tx1"/>
-                </a:solidFill>
-                <a:headEnd type="triangle" w="med" len="med"/>
-                <a:tailEnd type="none" w="med" len="med"/>
-              </a:ln>
-            </p:spPr>
-            <p:style>
-              <a:lnRef idx="1">
-                <a:schemeClr val="accent1"/>
-              </a:lnRef>
-              <a:fillRef idx="0">
-                <a:schemeClr val="accent1"/>
-              </a:fillRef>
-              <a:effectRef idx="0">
-                <a:schemeClr val="accent1"/>
-              </a:effectRef>
-              <a:fontRef idx="minor">
-                <a:schemeClr val="tx1"/>
-              </a:fontRef>
-            </p:style>
-          </p:cxnSp>
-          <p:cxnSp>
-            <p:nvCxnSpPr>
-              <p:cNvPr id="142" name="Straight Arrow Connector 141">
-                <a:extLst>
-                  <a:ext uri="{FF2B5EF4-FFF2-40B4-BE49-F238E27FC236}">
-                    <a16:creationId xmlns:a16="http://schemas.microsoft.com/office/drawing/2014/main" id="{FFE2F3C2-239A-5312-BCDB-439647E840F4}"/>
-                  </a:ext>
-                </a:extLst>
-              </p:cNvPr>
-              <p:cNvCxnSpPr>
-                <a:cxnSpLocks/>
-                <a:stCxn id="127" idx="0"/>
-                <a:endCxn id="109" idx="2"/>
-              </p:cNvCxnSpPr>
-              <p:nvPr/>
-            </p:nvCxnSpPr>
-            <p:spPr>
-              <a:xfrm flipV="1">
-                <a:off x="6848259" y="1906122"/>
-                <a:ext cx="0" cy="376443"/>
-              </a:xfrm>
-              <a:prstGeom prst="straightConnector1">
-                <a:avLst/>
-              </a:prstGeom>
-              <a:ln w="12700">
-                <a:solidFill>
-                  <a:schemeClr val="tx1"/>
-                </a:solidFill>
-                <a:headEnd type="triangle" w="med" len="med"/>
-                <a:tailEnd type="none" w="med" len="med"/>
-              </a:ln>
-            </p:spPr>
-            <p:style>
-              <a:lnRef idx="1">
-                <a:schemeClr val="accent1"/>
-              </a:lnRef>
-              <a:fillRef idx="0">
-                <a:schemeClr val="accent1"/>
-              </a:fillRef>
-              <a:effectRef idx="0">
-                <a:schemeClr val="accent1"/>
-              </a:effectRef>
-              <a:fontRef idx="minor">
-                <a:schemeClr val="tx1"/>
-              </a:fontRef>
-            </p:style>
-          </p:cxnSp>
-        </p:grpSp>
-        <p:sp>
-          <p:nvSpPr>
-            <p:cNvPr id="186" name="Flowchart: Multidocument 185">
-              <a:extLst>
-                <a:ext uri="{FF2B5EF4-FFF2-40B4-BE49-F238E27FC236}">
-                  <a16:creationId xmlns:a16="http://schemas.microsoft.com/office/drawing/2014/main" id="{9B92E647-4F54-454B-6F97-ED3CF21259C9}"/>
-                </a:ext>
-              </a:extLst>
-            </p:cNvPr>
-            <p:cNvSpPr/>
-            <p:nvPr/>
-          </p:nvSpPr>
-          <p:spPr>
-            <a:xfrm>
-              <a:off x="8315037" y="731234"/>
-              <a:ext cx="914400" cy="685800"/>
-            </a:xfrm>
-            <a:prstGeom prst="flowChartMultidocument">
-              <a:avLst/>
-            </a:prstGeom>
-            <a:noFill/>
-            <a:ln w="19050" cap="flat" cmpd="sng" algn="ctr">
-              <a:solidFill>
-                <a:sysClr val="windowText" lastClr="000000"/>
-              </a:solidFill>
-              <a:prstDash val="solid"/>
-            </a:ln>
-            <a:effectLst/>
-          </p:spPr>
-          <p:txBody>
-            <a:bodyPr tIns="91440" rIns="0" rtlCol="0" anchor="t" anchorCtr="0"/>
-            <a:lstStyle/>
-            <a:p>
-              <a:r>
-                <a:rPr lang="en-US" sz="1100" kern="0" dirty="0">
-                  <a:solidFill>
-                    <a:prstClr val="black"/>
-                  </a:solidFill>
-                  <a:latin typeface="Calibri" panose="020F0502020204030204"/>
-                </a:rPr>
-                <a:t>Kubernetes</a:t>
-              </a:r>
-            </a:p>
-            <a:p>
-              <a:r>
-                <a:rPr lang="en-US" sz="1100" kern="0" dirty="0">
-                  <a:solidFill>
-                    <a:prstClr val="black"/>
-                  </a:solidFill>
-                  <a:latin typeface="Calibri" panose="020F0502020204030204"/>
-                </a:rPr>
-                <a:t>Profile</a:t>
-              </a:r>
-            </a:p>
-          </p:txBody>
-        </p:sp>
-        <p:cxnSp>
-          <p:nvCxnSpPr>
-            <p:cNvPr id="194" name="Straight Arrow Connector 193">
-              <a:extLst>
-                <a:ext uri="{FF2B5EF4-FFF2-40B4-BE49-F238E27FC236}">
-                  <a16:creationId xmlns:a16="http://schemas.microsoft.com/office/drawing/2014/main" id="{3BB75FB1-3EBB-2A6D-CE83-A0C63DE8A287}"/>
-                </a:ext>
-              </a:extLst>
-            </p:cNvPr>
-            <p:cNvCxnSpPr>
-              <a:cxnSpLocks/>
-            </p:cNvCxnSpPr>
-            <p:nvPr/>
-          </p:nvCxnSpPr>
-          <p:spPr>
-            <a:xfrm>
-              <a:off x="3821629" y="2075579"/>
-              <a:ext cx="998724" cy="2254"/>
-            </a:xfrm>
-            <a:prstGeom prst="straightConnector1">
-              <a:avLst/>
-            </a:prstGeom>
-            <a:ln w="28575">
-              <a:solidFill>
-                <a:schemeClr val="accent2"/>
-              </a:solidFill>
-              <a:prstDash val="sysDash"/>
-              <a:headEnd type="triangle" w="med" len="med"/>
-              <a:tailEnd type="none" w="med" len="med"/>
-            </a:ln>
-          </p:spPr>
-          <p:style>
-            <a:lnRef idx="1">
-              <a:schemeClr val="accent1"/>
-            </a:lnRef>
-            <a:fillRef idx="0">
-              <a:schemeClr val="accent1"/>
-            </a:fillRef>
-            <a:effectRef idx="0">
-              <a:schemeClr val="accent1"/>
-            </a:effectRef>
-            <a:fontRef idx="minor">
-              <a:schemeClr val="tx1"/>
-            </a:fontRef>
-          </p:style>
-        </p:cxnSp>
-        <p:sp>
-          <p:nvSpPr>
-            <p:cNvPr id="195" name="TextBox 194">
-              <a:extLst>
-                <a:ext uri="{FF2B5EF4-FFF2-40B4-BE49-F238E27FC236}">
-                  <a16:creationId xmlns:a16="http://schemas.microsoft.com/office/drawing/2014/main" id="{9E8AB9F0-21F6-3899-DDD8-3AB4E7EFD054}"/>
-                </a:ext>
-              </a:extLst>
-            </p:cNvPr>
-            <p:cNvSpPr txBox="1"/>
-            <p:nvPr/>
-          </p:nvSpPr>
-          <p:spPr>
-            <a:xfrm>
-              <a:off x="4054091" y="1908846"/>
-              <a:ext cx="533800" cy="138499"/>
-            </a:xfrm>
-            <a:prstGeom prst="rect">
-              <a:avLst/>
-            </a:prstGeom>
-            <a:solidFill>
-              <a:schemeClr val="bg1"/>
-            </a:solidFill>
-          </p:spPr>
-          <p:txBody>
-            <a:bodyPr wrap="square" lIns="0" tIns="0" rIns="0" bIns="0" rtlCol="0">
-              <a:spAutoFit/>
-            </a:bodyPr>
-            <a:lstStyle/>
-            <a:p>
-              <a:pPr algn="ctr"/>
-              <a:r>
-                <a:rPr lang="en-US" sz="900" b="1" dirty="0"/>
-                <a:t>substitutes</a:t>
-              </a:r>
-            </a:p>
-          </p:txBody>
-        </p:sp>
-      </p:grpSp>
-    </p:spTree>
-    <p:extLst>
-      <p:ext uri="{BB962C8B-B14F-4D97-AF65-F5344CB8AC3E}">
-        <p14:creationId xmlns:p14="http://schemas.microsoft.com/office/powerpoint/2010/main" val="2873401068"/>
       </p:ext>
     </p:extLst>
   </p:cSld>
